--- a/PHONEPE TRANSACTION INSIGHTS.pptx
+++ b/PHONEPE TRANSACTION INSIGHTS.pptx
@@ -13986,7 +13986,14 @@
           <a:bodyPr/>
           <a:lstStyle/>
           <a:p>
-            <a:endParaRPr lang="en-IN"/>
+            <a:r>
+              <a:rPr lang="en-IN" dirty="0">
+                <a:solidFill>
+                  <a:schemeClr val="bg1"/>
+                </a:solidFill>
+              </a:rPr>
+              <a:t>https://github.com/ReginahubJ333/Phonepe-Transaction-Insights</a:t>
+            </a:r>
           </a:p>
         </p:txBody>
       </p:sp>
